--- a/output/plots_analysis/spec_rad/spec_rad_notes.pptx
+++ b/output/plots_analysis/spec_rad/spec_rad_notes.pptx
@@ -5,14 +5,16 @@
     <p:sldMasterId id="2147483648" r:id="rId1"/>
   </p:sldMasterIdLst>
   <p:notesMasterIdLst>
-    <p:notesMasterId r:id="rId7"/>
+    <p:notesMasterId r:id="rId9"/>
   </p:notesMasterIdLst>
   <p:sldIdLst>
     <p:sldId id="256" r:id="rId2"/>
-    <p:sldId id="258" r:id="rId3"/>
-    <p:sldId id="257" r:id="rId4"/>
-    <p:sldId id="259" r:id="rId5"/>
-    <p:sldId id="260" r:id="rId6"/>
+    <p:sldId id="261" r:id="rId3"/>
+    <p:sldId id="262" r:id="rId4"/>
+    <p:sldId id="258" r:id="rId5"/>
+    <p:sldId id="257" r:id="rId6"/>
+    <p:sldId id="259" r:id="rId7"/>
+    <p:sldId id="260" r:id="rId8"/>
   </p:sldIdLst>
   <p:sldSz cx="12192000" cy="6858000"/>
   <p:notesSz cx="6858000" cy="9144000"/>
@@ -201,7 +203,7 @@
           <a:p>
             <a:fld id="{AC71F9C3-DCFD-44DE-8CC5-B4AEB6471DA6}" type="datetimeFigureOut">
               <a:rPr lang="en-GB" smtClean="0"/>
-              <a:t>25/09/2023</a:t>
+              <a:t>26/09/2023</a:t>
             </a:fld>
             <a:endParaRPr lang="en-GB"/>
           </a:p>
@@ -652,7 +654,7 @@
           <a:p>
             <a:fld id="{F520AA54-DCC6-44C7-BC43-8068F95FC351}" type="slidenum">
               <a:rPr lang="en-GB" smtClean="0"/>
-              <a:t>2</a:t>
+              <a:t>4</a:t>
             </a:fld>
             <a:endParaRPr lang="en-GB"/>
           </a:p>
@@ -820,7 +822,7 @@
           <a:p>
             <a:fld id="{DA86DDB3-D25A-4D4A-A281-BAB375EBAC15}" type="datetimeFigureOut">
               <a:rPr lang="en-GB" smtClean="0"/>
-              <a:t>25/09/2023</a:t>
+              <a:t>26/09/2023</a:t>
             </a:fld>
             <a:endParaRPr lang="en-GB"/>
           </a:p>
@@ -1020,7 +1022,7 @@
           <a:p>
             <a:fld id="{DA86DDB3-D25A-4D4A-A281-BAB375EBAC15}" type="datetimeFigureOut">
               <a:rPr lang="en-GB" smtClean="0"/>
-              <a:t>25/09/2023</a:t>
+              <a:t>26/09/2023</a:t>
             </a:fld>
             <a:endParaRPr lang="en-GB"/>
           </a:p>
@@ -1230,7 +1232,7 @@
           <a:p>
             <a:fld id="{DA86DDB3-D25A-4D4A-A281-BAB375EBAC15}" type="datetimeFigureOut">
               <a:rPr lang="en-GB" smtClean="0"/>
-              <a:t>25/09/2023</a:t>
+              <a:t>26/09/2023</a:t>
             </a:fld>
             <a:endParaRPr lang="en-GB"/>
           </a:p>
@@ -1430,7 +1432,7 @@
           <a:p>
             <a:fld id="{DA86DDB3-D25A-4D4A-A281-BAB375EBAC15}" type="datetimeFigureOut">
               <a:rPr lang="en-GB" smtClean="0"/>
-              <a:t>25/09/2023</a:t>
+              <a:t>26/09/2023</a:t>
             </a:fld>
             <a:endParaRPr lang="en-GB"/>
           </a:p>
@@ -1706,7 +1708,7 @@
           <a:p>
             <a:fld id="{DA86DDB3-D25A-4D4A-A281-BAB375EBAC15}" type="datetimeFigureOut">
               <a:rPr lang="en-GB" smtClean="0"/>
-              <a:t>25/09/2023</a:t>
+              <a:t>26/09/2023</a:t>
             </a:fld>
             <a:endParaRPr lang="en-GB"/>
           </a:p>
@@ -1974,7 +1976,7 @@
           <a:p>
             <a:fld id="{DA86DDB3-D25A-4D4A-A281-BAB375EBAC15}" type="datetimeFigureOut">
               <a:rPr lang="en-GB" smtClean="0"/>
-              <a:t>25/09/2023</a:t>
+              <a:t>26/09/2023</a:t>
             </a:fld>
             <a:endParaRPr lang="en-GB"/>
           </a:p>
@@ -2389,7 +2391,7 @@
           <a:p>
             <a:fld id="{DA86DDB3-D25A-4D4A-A281-BAB375EBAC15}" type="datetimeFigureOut">
               <a:rPr lang="en-GB" smtClean="0"/>
-              <a:t>25/09/2023</a:t>
+              <a:t>26/09/2023</a:t>
             </a:fld>
             <a:endParaRPr lang="en-GB"/>
           </a:p>
@@ -2531,7 +2533,7 @@
           <a:p>
             <a:fld id="{DA86DDB3-D25A-4D4A-A281-BAB375EBAC15}" type="datetimeFigureOut">
               <a:rPr lang="en-GB" smtClean="0"/>
-              <a:t>25/09/2023</a:t>
+              <a:t>26/09/2023</a:t>
             </a:fld>
             <a:endParaRPr lang="en-GB"/>
           </a:p>
@@ -2644,7 +2646,7 @@
           <a:p>
             <a:fld id="{DA86DDB3-D25A-4D4A-A281-BAB375EBAC15}" type="datetimeFigureOut">
               <a:rPr lang="en-GB" smtClean="0"/>
-              <a:t>25/09/2023</a:t>
+              <a:t>26/09/2023</a:t>
             </a:fld>
             <a:endParaRPr lang="en-GB"/>
           </a:p>
@@ -2957,7 +2959,7 @@
           <a:p>
             <a:fld id="{DA86DDB3-D25A-4D4A-A281-BAB375EBAC15}" type="datetimeFigureOut">
               <a:rPr lang="en-GB" smtClean="0"/>
-              <a:t>25/09/2023</a:t>
+              <a:t>26/09/2023</a:t>
             </a:fld>
             <a:endParaRPr lang="en-GB"/>
           </a:p>
@@ -3246,7 +3248,7 @@
           <a:p>
             <a:fld id="{DA86DDB3-D25A-4D4A-A281-BAB375EBAC15}" type="datetimeFigureOut">
               <a:rPr lang="en-GB" smtClean="0"/>
-              <a:t>25/09/2023</a:t>
+              <a:t>26/09/2023</a:t>
             </a:fld>
             <a:endParaRPr lang="en-GB"/>
           </a:p>
@@ -3489,7 +3491,7 @@
           <a:p>
             <a:fld id="{DA86DDB3-D25A-4D4A-A281-BAB375EBAC15}" type="datetimeFigureOut">
               <a:rPr lang="en-GB" smtClean="0"/>
-              <a:t>25/09/2023</a:t>
+              <a:t>26/09/2023</a:t>
             </a:fld>
             <a:endParaRPr lang="en-GB"/>
           </a:p>
@@ -4128,12 +4130,48 @@
           <a:chExt cx="0" cy="0"/>
         </a:xfrm>
       </p:grpSpPr>
+      <p:sp>
+        <p:nvSpPr>
+          <p:cNvPr id="2" name="Title 1">
+            <a:extLst>
+              <a:ext uri="{FF2B5EF4-FFF2-40B4-BE49-F238E27FC236}">
+                <a16:creationId xmlns:a16="http://schemas.microsoft.com/office/drawing/2014/main" id="{171208C9-DD12-69EF-B36A-6379C767C97B}"/>
+              </a:ext>
+            </a:extLst>
+          </p:cNvPr>
+          <p:cNvSpPr>
+            <a:spLocks noGrp="1"/>
+          </p:cNvSpPr>
+          <p:nvPr>
+            <p:ph type="title"/>
+          </p:nvPr>
+        </p:nvSpPr>
+        <p:spPr/>
+        <p:txBody>
+          <a:bodyPr/>
+          <a:lstStyle/>
+          <a:p>
+            <a:r>
+              <a:rPr lang="en-GB" dirty="0"/>
+              <a:t>j</a:t>
+            </a:r>
+            <a:r>
+              <a:rPr lang="en-GB" baseline="-25000" dirty="0"/>
+              <a:t>HONO</a:t>
+            </a:r>
+            <a:r>
+              <a:rPr lang="en-GB" dirty="0"/>
+              <a:t> from February 2023 with different time corrections</a:t>
+            </a:r>
+          </a:p>
+        </p:txBody>
+      </p:sp>
       <p:pic>
         <p:nvPicPr>
-          <p:cNvPr id="5" name="Graphic 4">
-            <a:extLst>
-              <a:ext uri="{FF2B5EF4-FFF2-40B4-BE49-F238E27FC236}">
-                <a16:creationId xmlns:a16="http://schemas.microsoft.com/office/drawing/2014/main" id="{33859B5D-2980-C098-F0FC-9832BBED3282}"/>
+          <p:cNvPr id="4" name="Graphic 3">
+            <a:extLst>
+              <a:ext uri="{FF2B5EF4-FFF2-40B4-BE49-F238E27FC236}">
+                <a16:creationId xmlns:a16="http://schemas.microsoft.com/office/drawing/2014/main" id="{55F8637E-30D6-E7C9-F639-DA62BB9EABCB}"/>
               </a:ext>
             </a:extLst>
           </p:cNvPr>
@@ -4143,23 +4181,24 @@
           <p:nvPr/>
         </p:nvPicPr>
         <p:blipFill>
-          <a:blip r:embed="rId3">
+          <a:blip r:embed="rId2">
             <a:extLst>
               <a:ext uri="{28A0092B-C50C-407E-A947-70E740481C1C}">
                 <a14:useLocalDpi xmlns:a14="http://schemas.microsoft.com/office/drawing/2010/main" val="0"/>
               </a:ext>
               <a:ext uri="{96DAC541-7B7A-43D3-8B79-37D633B846F1}">
-                <asvg:svgBlip xmlns:asvg="http://schemas.microsoft.com/office/drawing/2016/SVG/main" r:embed="rId4"/>
+                <asvg:svgBlip xmlns:asvg="http://schemas.microsoft.com/office/drawing/2016/SVG/main" r:embed="rId3"/>
               </a:ext>
             </a:extLst>
           </a:blip>
-          <a:srcRect/>
-          <a:stretch/>
+          <a:stretch>
+            <a:fillRect/>
+          </a:stretch>
         </p:blipFill>
         <p:spPr>
           <a:xfrm>
-            <a:off x="102635" y="1816511"/>
-            <a:ext cx="5533053" cy="4675953"/>
+            <a:off x="303558" y="1816100"/>
+            <a:ext cx="5534025" cy="4676775"/>
           </a:xfrm>
           <a:prstGeom prst="rect">
             <a:avLst/>
@@ -4171,7 +4210,7 @@
           <p:cNvPr id="6" name="Graphic 5">
             <a:extLst>
               <a:ext uri="{FF2B5EF4-FFF2-40B4-BE49-F238E27FC236}">
-                <a16:creationId xmlns:a16="http://schemas.microsoft.com/office/drawing/2014/main" id="{CF3316AE-6EED-9FC1-330B-CB066EFDEDF5}"/>
+                <a16:creationId xmlns:a16="http://schemas.microsoft.com/office/drawing/2014/main" id="{DF546A50-11DB-D7D0-95E3-01ABB5B2F693}"/>
               </a:ext>
             </a:extLst>
           </p:cNvPr>
@@ -4181,13 +4220,13 @@
           <p:nvPr/>
         </p:nvPicPr>
         <p:blipFill>
-          <a:blip r:embed="rId5">
+          <a:blip r:embed="rId4">
             <a:extLst>
               <a:ext uri="{28A0092B-C50C-407E-A947-70E740481C1C}">
                 <a14:useLocalDpi xmlns:a14="http://schemas.microsoft.com/office/drawing/2010/main" val="0"/>
               </a:ext>
               <a:ext uri="{96DAC541-7B7A-43D3-8B79-37D633B846F1}">
-                <asvg:svgBlip xmlns:asvg="http://schemas.microsoft.com/office/drawing/2016/SVG/main" r:embed="rId6"/>
+                <asvg:svgBlip xmlns:asvg="http://schemas.microsoft.com/office/drawing/2016/SVG/main" r:embed="rId5"/>
               </a:ext>
             </a:extLst>
           </a:blip>
@@ -4196,134 +4235,18 @@
         </p:blipFill>
         <p:spPr>
           <a:xfrm>
-            <a:off x="6481668" y="1816511"/>
-            <a:ext cx="5533052" cy="4675953"/>
+            <a:off x="6354419" y="1816099"/>
+            <a:ext cx="5534025" cy="4676775"/>
           </a:xfrm>
           <a:prstGeom prst="rect">
             <a:avLst/>
           </a:prstGeom>
         </p:spPr>
       </p:pic>
-      <p:sp>
-        <p:nvSpPr>
-          <p:cNvPr id="7" name="Title 6">
-            <a:extLst>
-              <a:ext uri="{FF2B5EF4-FFF2-40B4-BE49-F238E27FC236}">
-                <a16:creationId xmlns:a16="http://schemas.microsoft.com/office/drawing/2014/main" id="{2BFF429A-2F93-50EC-10C6-D4A8E22DD764}"/>
-              </a:ext>
-            </a:extLst>
-          </p:cNvPr>
-          <p:cNvSpPr>
-            <a:spLocks noGrp="1"/>
-          </p:cNvSpPr>
-          <p:nvPr>
-            <p:ph type="title"/>
-          </p:nvPr>
-        </p:nvSpPr>
-        <p:spPr/>
-        <p:txBody>
-          <a:bodyPr/>
-          <a:lstStyle/>
-          <a:p>
-            <a:r>
-              <a:rPr lang="en-GB" dirty="0"/>
-              <a:t>Spec rad data in UTC?</a:t>
-            </a:r>
-          </a:p>
-        </p:txBody>
-      </p:sp>
-      <p:sp>
-        <p:nvSpPr>
-          <p:cNvPr id="8" name="TextBox 7">
-            <a:extLst>
-              <a:ext uri="{FF2B5EF4-FFF2-40B4-BE49-F238E27FC236}">
-                <a16:creationId xmlns:a16="http://schemas.microsoft.com/office/drawing/2014/main" id="{53DD5B1E-07CB-C861-6365-8CEEB965310E}"/>
-              </a:ext>
-            </a:extLst>
-          </p:cNvPr>
-          <p:cNvSpPr txBox="1"/>
-          <p:nvPr/>
-        </p:nvSpPr>
-        <p:spPr>
-          <a:xfrm>
-            <a:off x="102635" y="6433621"/>
-            <a:ext cx="5722776" cy="369332"/>
-          </a:xfrm>
-          <a:prstGeom prst="rect">
-            <a:avLst/>
-          </a:prstGeom>
-          <a:noFill/>
-        </p:spPr>
-        <p:txBody>
-          <a:bodyPr wrap="square" rtlCol="0">
-            <a:spAutoFit/>
-          </a:bodyPr>
-          <a:lstStyle/>
-          <a:p>
-            <a:pPr algn="ctr"/>
-            <a:r>
-              <a:rPr lang="en-GB" dirty="0"/>
-              <a:t>j</a:t>
-            </a:r>
-            <a:r>
-              <a:rPr lang="en-GB" baseline="-25000" dirty="0"/>
-              <a:t>HONO</a:t>
-            </a:r>
-            <a:r>
-              <a:rPr lang="en-GB" dirty="0"/>
-              <a:t> without any corrections</a:t>
-            </a:r>
-          </a:p>
-        </p:txBody>
-      </p:sp>
-      <p:sp>
-        <p:nvSpPr>
-          <p:cNvPr id="9" name="TextBox 8">
-            <a:extLst>
-              <a:ext uri="{FF2B5EF4-FFF2-40B4-BE49-F238E27FC236}">
-                <a16:creationId xmlns:a16="http://schemas.microsoft.com/office/drawing/2014/main" id="{ECAB9522-1A07-D99C-77A7-B5FD7C9A4D28}"/>
-              </a:ext>
-            </a:extLst>
-          </p:cNvPr>
-          <p:cNvSpPr txBox="1"/>
-          <p:nvPr/>
-        </p:nvSpPr>
-        <p:spPr>
-          <a:xfrm>
-            <a:off x="6481668" y="6433621"/>
-            <a:ext cx="5722776" cy="369332"/>
-          </a:xfrm>
-          <a:prstGeom prst="rect">
-            <a:avLst/>
-          </a:prstGeom>
-          <a:noFill/>
-        </p:spPr>
-        <p:txBody>
-          <a:bodyPr wrap="square" rtlCol="0">
-            <a:spAutoFit/>
-          </a:bodyPr>
-          <a:lstStyle/>
-          <a:p>
-            <a:pPr algn="ctr"/>
-            <a:r>
-              <a:rPr lang="en-GB" dirty="0"/>
-              <a:t>j</a:t>
-            </a:r>
-            <a:r>
-              <a:rPr lang="en-GB" baseline="-25000" dirty="0"/>
-              <a:t>HONO</a:t>
-            </a:r>
-            <a:r>
-              <a:rPr lang="en-GB" dirty="0"/>
-              <a:t> with old dataset for 2019 and 2020 data</a:t>
-            </a:r>
-          </a:p>
-        </p:txBody>
-      </p:sp>
     </p:spTree>
     <p:extLst>
       <p:ext uri="{BB962C8B-B14F-4D97-AF65-F5344CB8AC3E}">
-        <p14:creationId xmlns:p14="http://schemas.microsoft.com/office/powerpoint/2010/main" val="4194768386"/>
+        <p14:creationId xmlns:p14="http://schemas.microsoft.com/office/powerpoint/2010/main" val="2737190132"/>
       </p:ext>
     </p:extLst>
   </p:cSld>
@@ -4350,12 +4273,48 @@
           <a:chExt cx="0" cy="0"/>
         </a:xfrm>
       </p:grpSpPr>
+      <p:sp>
+        <p:nvSpPr>
+          <p:cNvPr id="2" name="Title 1">
+            <a:extLst>
+              <a:ext uri="{FF2B5EF4-FFF2-40B4-BE49-F238E27FC236}">
+                <a16:creationId xmlns:a16="http://schemas.microsoft.com/office/drawing/2014/main" id="{171208C9-DD12-69EF-B36A-6379C767C97B}"/>
+              </a:ext>
+            </a:extLst>
+          </p:cNvPr>
+          <p:cNvSpPr>
+            <a:spLocks noGrp="1"/>
+          </p:cNvSpPr>
+          <p:nvPr>
+            <p:ph type="title"/>
+          </p:nvPr>
+        </p:nvSpPr>
+        <p:spPr/>
+        <p:txBody>
+          <a:bodyPr/>
+          <a:lstStyle/>
+          <a:p>
+            <a:r>
+              <a:rPr lang="en-GB" dirty="0"/>
+              <a:t>j</a:t>
+            </a:r>
+            <a:r>
+              <a:rPr lang="en-GB" baseline="-25000" dirty="0"/>
+              <a:t>HNO3</a:t>
+            </a:r>
+            <a:r>
+              <a:rPr lang="en-GB" dirty="0"/>
+              <a:t> from February 2023 with different time corrections</a:t>
+            </a:r>
+          </a:p>
+        </p:txBody>
+      </p:sp>
       <p:pic>
         <p:nvPicPr>
-          <p:cNvPr id="5" name="Graphic 4">
-            <a:extLst>
-              <a:ext uri="{FF2B5EF4-FFF2-40B4-BE49-F238E27FC236}">
-                <a16:creationId xmlns:a16="http://schemas.microsoft.com/office/drawing/2014/main" id="{33859B5D-2980-C098-F0FC-9832BBED3282}"/>
+          <p:cNvPr id="4" name="Graphic 3">
+            <a:extLst>
+              <a:ext uri="{FF2B5EF4-FFF2-40B4-BE49-F238E27FC236}">
+                <a16:creationId xmlns:a16="http://schemas.microsoft.com/office/drawing/2014/main" id="{55F8637E-30D6-E7C9-F639-DA62BB9EABCB}"/>
               </a:ext>
             </a:extLst>
           </p:cNvPr>
@@ -4380,8 +4339,8 @@
         </p:blipFill>
         <p:spPr>
           <a:xfrm>
-            <a:off x="102635" y="1816511"/>
-            <a:ext cx="5533053" cy="4675953"/>
+            <a:off x="6326656" y="1816100"/>
+            <a:ext cx="5534025" cy="4676775"/>
           </a:xfrm>
           <a:prstGeom prst="rect">
             <a:avLst/>
@@ -4393,7 +4352,7 @@
           <p:cNvPr id="6" name="Graphic 5">
             <a:extLst>
               <a:ext uri="{FF2B5EF4-FFF2-40B4-BE49-F238E27FC236}">
-                <a16:creationId xmlns:a16="http://schemas.microsoft.com/office/drawing/2014/main" id="{CF3316AE-6EED-9FC1-330B-CB066EFDEDF5}"/>
+                <a16:creationId xmlns:a16="http://schemas.microsoft.com/office/drawing/2014/main" id="{DF546A50-11DB-D7D0-95E3-01ABB5B2F693}"/>
               </a:ext>
             </a:extLst>
           </p:cNvPr>
@@ -4413,139 +4372,24 @@
               </a:ext>
             </a:extLst>
           </a:blip>
-          <a:srcRect/>
-          <a:stretch/>
+          <a:stretch>
+            <a:fillRect/>
+          </a:stretch>
         </p:blipFill>
         <p:spPr>
           <a:xfrm>
-            <a:off x="6481668" y="1816511"/>
-            <a:ext cx="5533052" cy="4675953"/>
+            <a:off x="331320" y="1816100"/>
+            <a:ext cx="5534025" cy="4676775"/>
           </a:xfrm>
           <a:prstGeom prst="rect">
             <a:avLst/>
           </a:prstGeom>
         </p:spPr>
       </p:pic>
-      <p:sp>
-        <p:nvSpPr>
-          <p:cNvPr id="7" name="Title 6">
-            <a:extLst>
-              <a:ext uri="{FF2B5EF4-FFF2-40B4-BE49-F238E27FC236}">
-                <a16:creationId xmlns:a16="http://schemas.microsoft.com/office/drawing/2014/main" id="{2BFF429A-2F93-50EC-10C6-D4A8E22DD764}"/>
-              </a:ext>
-            </a:extLst>
-          </p:cNvPr>
-          <p:cNvSpPr>
-            <a:spLocks noGrp="1"/>
-          </p:cNvSpPr>
-          <p:nvPr>
-            <p:ph type="title"/>
-          </p:nvPr>
-        </p:nvSpPr>
-        <p:spPr/>
-        <p:txBody>
-          <a:bodyPr/>
-          <a:lstStyle/>
-          <a:p>
-            <a:r>
-              <a:rPr lang="en-GB" dirty="0"/>
-              <a:t>Spec rad data in UTC?</a:t>
-            </a:r>
-          </a:p>
-        </p:txBody>
-      </p:sp>
-      <p:sp>
-        <p:nvSpPr>
-          <p:cNvPr id="2" name="TextBox 1">
-            <a:extLst>
-              <a:ext uri="{FF2B5EF4-FFF2-40B4-BE49-F238E27FC236}">
-                <a16:creationId xmlns:a16="http://schemas.microsoft.com/office/drawing/2014/main" id="{8E84D87F-1D9C-A587-6F0C-97682DD010DB}"/>
-              </a:ext>
-            </a:extLst>
-          </p:cNvPr>
-          <p:cNvSpPr txBox="1"/>
-          <p:nvPr/>
-        </p:nvSpPr>
-        <p:spPr>
-          <a:xfrm>
-            <a:off x="102635" y="6433621"/>
-            <a:ext cx="5722776" cy="369332"/>
-          </a:xfrm>
-          <a:prstGeom prst="rect">
-            <a:avLst/>
-          </a:prstGeom>
-          <a:noFill/>
-        </p:spPr>
-        <p:txBody>
-          <a:bodyPr wrap="square" rtlCol="0">
-            <a:spAutoFit/>
-          </a:bodyPr>
-          <a:lstStyle/>
-          <a:p>
-            <a:pPr algn="ctr"/>
-            <a:r>
-              <a:rPr lang="en-GB" dirty="0"/>
-              <a:t>j</a:t>
-            </a:r>
-            <a:r>
-              <a:rPr lang="en-GB" baseline="-25000" dirty="0"/>
-              <a:t>HNO3</a:t>
-            </a:r>
-            <a:r>
-              <a:rPr lang="en-GB" dirty="0"/>
-              <a:t> without any corrections</a:t>
-            </a:r>
-          </a:p>
-        </p:txBody>
-      </p:sp>
-      <p:sp>
-        <p:nvSpPr>
-          <p:cNvPr id="3" name="TextBox 2">
-            <a:extLst>
-              <a:ext uri="{FF2B5EF4-FFF2-40B4-BE49-F238E27FC236}">
-                <a16:creationId xmlns:a16="http://schemas.microsoft.com/office/drawing/2014/main" id="{FC68C598-165B-569C-FE35-DEFD918CEE86}"/>
-              </a:ext>
-            </a:extLst>
-          </p:cNvPr>
-          <p:cNvSpPr txBox="1"/>
-          <p:nvPr/>
-        </p:nvSpPr>
-        <p:spPr>
-          <a:xfrm>
-            <a:off x="6481668" y="6433621"/>
-            <a:ext cx="5722776" cy="369332"/>
-          </a:xfrm>
-          <a:prstGeom prst="rect">
-            <a:avLst/>
-          </a:prstGeom>
-          <a:noFill/>
-        </p:spPr>
-        <p:txBody>
-          <a:bodyPr wrap="square" rtlCol="0">
-            <a:spAutoFit/>
-          </a:bodyPr>
-          <a:lstStyle/>
-          <a:p>
-            <a:pPr algn="ctr"/>
-            <a:r>
-              <a:rPr lang="en-GB" dirty="0"/>
-              <a:t>j</a:t>
-            </a:r>
-            <a:r>
-              <a:rPr lang="en-GB" baseline="-25000" dirty="0"/>
-              <a:t>HNO3</a:t>
-            </a:r>
-            <a:r>
-              <a:rPr lang="en-GB" dirty="0"/>
-              <a:t> with correction on 2023 data</a:t>
-            </a:r>
-          </a:p>
-        </p:txBody>
-      </p:sp>
     </p:spTree>
     <p:extLst>
       <p:ext uri="{BB962C8B-B14F-4D97-AF65-F5344CB8AC3E}">
-        <p14:creationId xmlns:p14="http://schemas.microsoft.com/office/powerpoint/2010/main" val="3926161916"/>
+        <p14:creationId xmlns:p14="http://schemas.microsoft.com/office/powerpoint/2010/main" val="1913042252"/>
       </p:ext>
     </p:extLst>
   </p:cSld>
@@ -4587,13 +4431,13 @@
           <p:nvPr/>
         </p:nvPicPr>
         <p:blipFill>
-          <a:blip r:embed="rId2">
+          <a:blip r:embed="rId3">
             <a:extLst>
               <a:ext uri="{28A0092B-C50C-407E-A947-70E740481C1C}">
                 <a14:useLocalDpi xmlns:a14="http://schemas.microsoft.com/office/drawing/2010/main" val="0"/>
               </a:ext>
               <a:ext uri="{96DAC541-7B7A-43D3-8B79-37D633B846F1}">
-                <asvg:svgBlip xmlns:asvg="http://schemas.microsoft.com/office/drawing/2016/SVG/main" r:embed="rId3"/>
+                <asvg:svgBlip xmlns:asvg="http://schemas.microsoft.com/office/drawing/2016/SVG/main" r:embed="rId4"/>
               </a:ext>
             </a:extLst>
           </a:blip>
@@ -4625,6 +4469,450 @@
           <p:nvPr/>
         </p:nvPicPr>
         <p:blipFill>
+          <a:blip r:embed="rId5">
+            <a:extLst>
+              <a:ext uri="{28A0092B-C50C-407E-A947-70E740481C1C}">
+                <a14:useLocalDpi xmlns:a14="http://schemas.microsoft.com/office/drawing/2010/main" val="0"/>
+              </a:ext>
+              <a:ext uri="{96DAC541-7B7A-43D3-8B79-37D633B846F1}">
+                <asvg:svgBlip xmlns:asvg="http://schemas.microsoft.com/office/drawing/2016/SVG/main" r:embed="rId6"/>
+              </a:ext>
+            </a:extLst>
+          </a:blip>
+          <a:srcRect/>
+          <a:stretch/>
+        </p:blipFill>
+        <p:spPr>
+          <a:xfrm>
+            <a:off x="6481668" y="1816511"/>
+            <a:ext cx="5533052" cy="4675953"/>
+          </a:xfrm>
+          <a:prstGeom prst="rect">
+            <a:avLst/>
+          </a:prstGeom>
+        </p:spPr>
+      </p:pic>
+      <p:sp>
+        <p:nvSpPr>
+          <p:cNvPr id="7" name="Title 6">
+            <a:extLst>
+              <a:ext uri="{FF2B5EF4-FFF2-40B4-BE49-F238E27FC236}">
+                <a16:creationId xmlns:a16="http://schemas.microsoft.com/office/drawing/2014/main" id="{2BFF429A-2F93-50EC-10C6-D4A8E22DD764}"/>
+              </a:ext>
+            </a:extLst>
+          </p:cNvPr>
+          <p:cNvSpPr>
+            <a:spLocks noGrp="1"/>
+          </p:cNvSpPr>
+          <p:nvPr>
+            <p:ph type="title"/>
+          </p:nvPr>
+        </p:nvSpPr>
+        <p:spPr/>
+        <p:txBody>
+          <a:bodyPr/>
+          <a:lstStyle/>
+          <a:p>
+            <a:r>
+              <a:rPr lang="en-GB" dirty="0"/>
+              <a:t>Spec rad data in UTC?</a:t>
+            </a:r>
+          </a:p>
+        </p:txBody>
+      </p:sp>
+      <p:sp>
+        <p:nvSpPr>
+          <p:cNvPr id="8" name="TextBox 7">
+            <a:extLst>
+              <a:ext uri="{FF2B5EF4-FFF2-40B4-BE49-F238E27FC236}">
+                <a16:creationId xmlns:a16="http://schemas.microsoft.com/office/drawing/2014/main" id="{53DD5B1E-07CB-C861-6365-8CEEB965310E}"/>
+              </a:ext>
+            </a:extLst>
+          </p:cNvPr>
+          <p:cNvSpPr txBox="1"/>
+          <p:nvPr/>
+        </p:nvSpPr>
+        <p:spPr>
+          <a:xfrm>
+            <a:off x="102635" y="6433621"/>
+            <a:ext cx="5722776" cy="369332"/>
+          </a:xfrm>
+          <a:prstGeom prst="rect">
+            <a:avLst/>
+          </a:prstGeom>
+          <a:noFill/>
+        </p:spPr>
+        <p:txBody>
+          <a:bodyPr wrap="square" rtlCol="0">
+            <a:spAutoFit/>
+          </a:bodyPr>
+          <a:lstStyle/>
+          <a:p>
+            <a:pPr algn="ctr"/>
+            <a:r>
+              <a:rPr lang="en-GB" dirty="0"/>
+              <a:t>j</a:t>
+            </a:r>
+            <a:r>
+              <a:rPr lang="en-GB" baseline="-25000" dirty="0"/>
+              <a:t>HONO</a:t>
+            </a:r>
+            <a:r>
+              <a:rPr lang="en-GB" dirty="0"/>
+              <a:t> without any corrections</a:t>
+            </a:r>
+          </a:p>
+        </p:txBody>
+      </p:sp>
+      <p:sp>
+        <p:nvSpPr>
+          <p:cNvPr id="9" name="TextBox 8">
+            <a:extLst>
+              <a:ext uri="{FF2B5EF4-FFF2-40B4-BE49-F238E27FC236}">
+                <a16:creationId xmlns:a16="http://schemas.microsoft.com/office/drawing/2014/main" id="{ECAB9522-1A07-D99C-77A7-B5FD7C9A4D28}"/>
+              </a:ext>
+            </a:extLst>
+          </p:cNvPr>
+          <p:cNvSpPr txBox="1"/>
+          <p:nvPr/>
+        </p:nvSpPr>
+        <p:spPr>
+          <a:xfrm>
+            <a:off x="6481668" y="6433621"/>
+            <a:ext cx="5722776" cy="369332"/>
+          </a:xfrm>
+          <a:prstGeom prst="rect">
+            <a:avLst/>
+          </a:prstGeom>
+          <a:noFill/>
+        </p:spPr>
+        <p:txBody>
+          <a:bodyPr wrap="square" rtlCol="0">
+            <a:spAutoFit/>
+          </a:bodyPr>
+          <a:lstStyle/>
+          <a:p>
+            <a:pPr algn="ctr"/>
+            <a:r>
+              <a:rPr lang="en-GB" dirty="0"/>
+              <a:t>j</a:t>
+            </a:r>
+            <a:r>
+              <a:rPr lang="en-GB" baseline="-25000" dirty="0"/>
+              <a:t>HONO</a:t>
+            </a:r>
+            <a:r>
+              <a:rPr lang="en-GB" dirty="0"/>
+              <a:t> with old dataset for 2019 and 2020 data</a:t>
+            </a:r>
+          </a:p>
+        </p:txBody>
+      </p:sp>
+    </p:spTree>
+    <p:extLst>
+      <p:ext uri="{BB962C8B-B14F-4D97-AF65-F5344CB8AC3E}">
+        <p14:creationId xmlns:p14="http://schemas.microsoft.com/office/powerpoint/2010/main" val="4194768386"/>
+      </p:ext>
+    </p:extLst>
+  </p:cSld>
+  <p:clrMapOvr>
+    <a:masterClrMapping/>
+  </p:clrMapOvr>
+</p:sld>
+</file>
+
+<file path=ppt/slides/slide5.xml><?xml version="1.0" encoding="utf-8"?>
+<p:sld xmlns:a="http://schemas.openxmlformats.org/drawingml/2006/main" xmlns:r="http://schemas.openxmlformats.org/officeDocument/2006/relationships" xmlns:p="http://schemas.openxmlformats.org/presentationml/2006/main">
+  <p:cSld>
+    <p:spTree>
+      <p:nvGrpSpPr>
+        <p:cNvPr id="1" name=""/>
+        <p:cNvGrpSpPr/>
+        <p:nvPr/>
+      </p:nvGrpSpPr>
+      <p:grpSpPr>
+        <a:xfrm>
+          <a:off x="0" y="0"/>
+          <a:ext cx="0" cy="0"/>
+          <a:chOff x="0" y="0"/>
+          <a:chExt cx="0" cy="0"/>
+        </a:xfrm>
+      </p:grpSpPr>
+      <p:pic>
+        <p:nvPicPr>
+          <p:cNvPr id="5" name="Graphic 4">
+            <a:extLst>
+              <a:ext uri="{FF2B5EF4-FFF2-40B4-BE49-F238E27FC236}">
+                <a16:creationId xmlns:a16="http://schemas.microsoft.com/office/drawing/2014/main" id="{33859B5D-2980-C098-F0FC-9832BBED3282}"/>
+              </a:ext>
+            </a:extLst>
+          </p:cNvPr>
+          <p:cNvPicPr>
+            <a:picLocks noChangeAspect="1"/>
+          </p:cNvPicPr>
+          <p:nvPr/>
+        </p:nvPicPr>
+        <p:blipFill>
+          <a:blip r:embed="rId2">
+            <a:extLst>
+              <a:ext uri="{28A0092B-C50C-407E-A947-70E740481C1C}">
+                <a14:useLocalDpi xmlns:a14="http://schemas.microsoft.com/office/drawing/2010/main" val="0"/>
+              </a:ext>
+              <a:ext uri="{96DAC541-7B7A-43D3-8B79-37D633B846F1}">
+                <asvg:svgBlip xmlns:asvg="http://schemas.microsoft.com/office/drawing/2016/SVG/main" r:embed="rId3"/>
+              </a:ext>
+            </a:extLst>
+          </a:blip>
+          <a:srcRect/>
+          <a:stretch/>
+        </p:blipFill>
+        <p:spPr>
+          <a:xfrm>
+            <a:off x="102635" y="1816511"/>
+            <a:ext cx="5533053" cy="4675953"/>
+          </a:xfrm>
+          <a:prstGeom prst="rect">
+            <a:avLst/>
+          </a:prstGeom>
+        </p:spPr>
+      </p:pic>
+      <p:pic>
+        <p:nvPicPr>
+          <p:cNvPr id="6" name="Graphic 5">
+            <a:extLst>
+              <a:ext uri="{FF2B5EF4-FFF2-40B4-BE49-F238E27FC236}">
+                <a16:creationId xmlns:a16="http://schemas.microsoft.com/office/drawing/2014/main" id="{CF3316AE-6EED-9FC1-330B-CB066EFDEDF5}"/>
+              </a:ext>
+            </a:extLst>
+          </p:cNvPr>
+          <p:cNvPicPr>
+            <a:picLocks noChangeAspect="1"/>
+          </p:cNvPicPr>
+          <p:nvPr/>
+        </p:nvPicPr>
+        <p:blipFill>
+          <a:blip r:embed="rId4">
+            <a:extLst>
+              <a:ext uri="{28A0092B-C50C-407E-A947-70E740481C1C}">
+                <a14:useLocalDpi xmlns:a14="http://schemas.microsoft.com/office/drawing/2010/main" val="0"/>
+              </a:ext>
+              <a:ext uri="{96DAC541-7B7A-43D3-8B79-37D633B846F1}">
+                <asvg:svgBlip xmlns:asvg="http://schemas.microsoft.com/office/drawing/2016/SVG/main" r:embed="rId5"/>
+              </a:ext>
+            </a:extLst>
+          </a:blip>
+          <a:srcRect/>
+          <a:stretch/>
+        </p:blipFill>
+        <p:spPr>
+          <a:xfrm>
+            <a:off x="6481668" y="1816511"/>
+            <a:ext cx="5533052" cy="4675953"/>
+          </a:xfrm>
+          <a:prstGeom prst="rect">
+            <a:avLst/>
+          </a:prstGeom>
+        </p:spPr>
+      </p:pic>
+      <p:sp>
+        <p:nvSpPr>
+          <p:cNvPr id="7" name="Title 6">
+            <a:extLst>
+              <a:ext uri="{FF2B5EF4-FFF2-40B4-BE49-F238E27FC236}">
+                <a16:creationId xmlns:a16="http://schemas.microsoft.com/office/drawing/2014/main" id="{2BFF429A-2F93-50EC-10C6-D4A8E22DD764}"/>
+              </a:ext>
+            </a:extLst>
+          </p:cNvPr>
+          <p:cNvSpPr>
+            <a:spLocks noGrp="1"/>
+          </p:cNvSpPr>
+          <p:nvPr>
+            <p:ph type="title"/>
+          </p:nvPr>
+        </p:nvSpPr>
+        <p:spPr/>
+        <p:txBody>
+          <a:bodyPr/>
+          <a:lstStyle/>
+          <a:p>
+            <a:r>
+              <a:rPr lang="en-GB" dirty="0"/>
+              <a:t>Spec rad data in UTC?</a:t>
+            </a:r>
+          </a:p>
+        </p:txBody>
+      </p:sp>
+      <p:sp>
+        <p:nvSpPr>
+          <p:cNvPr id="2" name="TextBox 1">
+            <a:extLst>
+              <a:ext uri="{FF2B5EF4-FFF2-40B4-BE49-F238E27FC236}">
+                <a16:creationId xmlns:a16="http://schemas.microsoft.com/office/drawing/2014/main" id="{8E84D87F-1D9C-A587-6F0C-97682DD010DB}"/>
+              </a:ext>
+            </a:extLst>
+          </p:cNvPr>
+          <p:cNvSpPr txBox="1"/>
+          <p:nvPr/>
+        </p:nvSpPr>
+        <p:spPr>
+          <a:xfrm>
+            <a:off x="102635" y="6433621"/>
+            <a:ext cx="5722776" cy="369332"/>
+          </a:xfrm>
+          <a:prstGeom prst="rect">
+            <a:avLst/>
+          </a:prstGeom>
+          <a:noFill/>
+        </p:spPr>
+        <p:txBody>
+          <a:bodyPr wrap="square" rtlCol="0">
+            <a:spAutoFit/>
+          </a:bodyPr>
+          <a:lstStyle/>
+          <a:p>
+            <a:pPr algn="ctr"/>
+            <a:r>
+              <a:rPr lang="en-GB" dirty="0"/>
+              <a:t>j</a:t>
+            </a:r>
+            <a:r>
+              <a:rPr lang="en-GB" baseline="-25000" dirty="0"/>
+              <a:t>HNO3</a:t>
+            </a:r>
+            <a:r>
+              <a:rPr lang="en-GB" dirty="0"/>
+              <a:t> without any corrections</a:t>
+            </a:r>
+          </a:p>
+        </p:txBody>
+      </p:sp>
+      <p:sp>
+        <p:nvSpPr>
+          <p:cNvPr id="3" name="TextBox 2">
+            <a:extLst>
+              <a:ext uri="{FF2B5EF4-FFF2-40B4-BE49-F238E27FC236}">
+                <a16:creationId xmlns:a16="http://schemas.microsoft.com/office/drawing/2014/main" id="{FC68C598-165B-569C-FE35-DEFD918CEE86}"/>
+              </a:ext>
+            </a:extLst>
+          </p:cNvPr>
+          <p:cNvSpPr txBox="1"/>
+          <p:nvPr/>
+        </p:nvSpPr>
+        <p:spPr>
+          <a:xfrm>
+            <a:off x="6481668" y="6433621"/>
+            <a:ext cx="5722776" cy="369332"/>
+          </a:xfrm>
+          <a:prstGeom prst="rect">
+            <a:avLst/>
+          </a:prstGeom>
+          <a:noFill/>
+        </p:spPr>
+        <p:txBody>
+          <a:bodyPr wrap="square" rtlCol="0">
+            <a:spAutoFit/>
+          </a:bodyPr>
+          <a:lstStyle/>
+          <a:p>
+            <a:pPr algn="ctr"/>
+            <a:r>
+              <a:rPr lang="en-GB" dirty="0"/>
+              <a:t>j</a:t>
+            </a:r>
+            <a:r>
+              <a:rPr lang="en-GB" baseline="-25000" dirty="0"/>
+              <a:t>HNO3</a:t>
+            </a:r>
+            <a:r>
+              <a:rPr lang="en-GB" dirty="0"/>
+              <a:t> with correction on 2023 data</a:t>
+            </a:r>
+          </a:p>
+        </p:txBody>
+      </p:sp>
+    </p:spTree>
+    <p:extLst>
+      <p:ext uri="{BB962C8B-B14F-4D97-AF65-F5344CB8AC3E}">
+        <p14:creationId xmlns:p14="http://schemas.microsoft.com/office/powerpoint/2010/main" val="3926161916"/>
+      </p:ext>
+    </p:extLst>
+  </p:cSld>
+  <p:clrMapOvr>
+    <a:masterClrMapping/>
+  </p:clrMapOvr>
+</p:sld>
+</file>
+
+<file path=ppt/slides/slide6.xml><?xml version="1.0" encoding="utf-8"?>
+<p:sld xmlns:a="http://schemas.openxmlformats.org/drawingml/2006/main" xmlns:r="http://schemas.openxmlformats.org/officeDocument/2006/relationships" xmlns:p="http://schemas.openxmlformats.org/presentationml/2006/main">
+  <p:cSld>
+    <p:spTree>
+      <p:nvGrpSpPr>
+        <p:cNvPr id="1" name=""/>
+        <p:cNvGrpSpPr/>
+        <p:nvPr/>
+      </p:nvGrpSpPr>
+      <p:grpSpPr>
+        <a:xfrm>
+          <a:off x="0" y="0"/>
+          <a:ext cx="0" cy="0"/>
+          <a:chOff x="0" y="0"/>
+          <a:chExt cx="0" cy="0"/>
+        </a:xfrm>
+      </p:grpSpPr>
+      <p:pic>
+        <p:nvPicPr>
+          <p:cNvPr id="5" name="Graphic 4">
+            <a:extLst>
+              <a:ext uri="{FF2B5EF4-FFF2-40B4-BE49-F238E27FC236}">
+                <a16:creationId xmlns:a16="http://schemas.microsoft.com/office/drawing/2014/main" id="{33859B5D-2980-C098-F0FC-9832BBED3282}"/>
+              </a:ext>
+            </a:extLst>
+          </p:cNvPr>
+          <p:cNvPicPr>
+            <a:picLocks noChangeAspect="1"/>
+          </p:cNvPicPr>
+          <p:nvPr/>
+        </p:nvPicPr>
+        <p:blipFill>
+          <a:blip r:embed="rId2">
+            <a:extLst>
+              <a:ext uri="{28A0092B-C50C-407E-A947-70E740481C1C}">
+                <a14:useLocalDpi xmlns:a14="http://schemas.microsoft.com/office/drawing/2010/main" val="0"/>
+              </a:ext>
+              <a:ext uri="{96DAC541-7B7A-43D3-8B79-37D633B846F1}">
+                <asvg:svgBlip xmlns:asvg="http://schemas.microsoft.com/office/drawing/2016/SVG/main" r:embed="rId3"/>
+              </a:ext>
+            </a:extLst>
+          </a:blip>
+          <a:srcRect/>
+          <a:stretch/>
+        </p:blipFill>
+        <p:spPr>
+          <a:xfrm>
+            <a:off x="102635" y="1816511"/>
+            <a:ext cx="5533053" cy="4675953"/>
+          </a:xfrm>
+          <a:prstGeom prst="rect">
+            <a:avLst/>
+          </a:prstGeom>
+        </p:spPr>
+      </p:pic>
+      <p:pic>
+        <p:nvPicPr>
+          <p:cNvPr id="6" name="Graphic 5">
+            <a:extLst>
+              <a:ext uri="{FF2B5EF4-FFF2-40B4-BE49-F238E27FC236}">
+                <a16:creationId xmlns:a16="http://schemas.microsoft.com/office/drawing/2014/main" id="{CF3316AE-6EED-9FC1-330B-CB066EFDEDF5}"/>
+              </a:ext>
+            </a:extLst>
+          </p:cNvPr>
+          <p:cNvPicPr>
+            <a:picLocks noChangeAspect="1"/>
+          </p:cNvPicPr>
+          <p:nvPr/>
+        </p:nvPicPr>
+        <p:blipFill>
           <a:blip r:embed="rId4">
             <a:extLst>
               <a:ext uri="{28A0092B-C50C-407E-A947-70E740481C1C}">
@@ -4777,7 +5065,7 @@
 </p:sld>
 </file>
 
-<file path=ppt/slides/slide5.xml><?xml version="1.0" encoding="utf-8"?>
+<file path=ppt/slides/slide7.xml><?xml version="1.0" encoding="utf-8"?>
 <p:sld xmlns:a="http://schemas.openxmlformats.org/drawingml/2006/main" xmlns:r="http://schemas.openxmlformats.org/officeDocument/2006/relationships" xmlns:p="http://schemas.openxmlformats.org/presentationml/2006/main">
   <p:cSld>
     <p:spTree>
